--- a/day-4-python-in-excel/day-4-python-in-excel.pptx
+++ b/day-4-python-in-excel/day-4-python-in-excel.pptx
@@ -5,37 +5,35 @@
     <p:sldMasterId id="2147483648" r:id="rId1"/>
   </p:sldMasterIdLst>
   <p:notesMasterIdLst>
-    <p:notesMasterId r:id="rId20"/>
+    <p:notesMasterId r:id="rId18"/>
   </p:notesMasterIdLst>
   <p:sldIdLst>
     <p:sldId id="256" r:id="rId2"/>
     <p:sldId id="258" r:id="rId3"/>
     <p:sldId id="436" r:id="rId4"/>
-    <p:sldId id="362" r:id="rId5"/>
-    <p:sldId id="404" r:id="rId6"/>
-    <p:sldId id="407" r:id="rId7"/>
-    <p:sldId id="415" r:id="rId8"/>
-    <p:sldId id="405" r:id="rId9"/>
-    <p:sldId id="412" r:id="rId10"/>
-    <p:sldId id="414" r:id="rId11"/>
-    <p:sldId id="406" r:id="rId12"/>
-    <p:sldId id="409" r:id="rId13"/>
-    <p:sldId id="416" r:id="rId14"/>
-    <p:sldId id="420" r:id="rId15"/>
-    <p:sldId id="427" r:id="rId16"/>
-    <p:sldId id="428" r:id="rId17"/>
-    <p:sldId id="434" r:id="rId18"/>
-    <p:sldId id="435" r:id="rId19"/>
+    <p:sldId id="404" r:id="rId5"/>
+    <p:sldId id="407" r:id="rId6"/>
+    <p:sldId id="415" r:id="rId7"/>
+    <p:sldId id="405" r:id="rId8"/>
+    <p:sldId id="412" r:id="rId9"/>
+    <p:sldId id="437" r:id="rId10"/>
+    <p:sldId id="438" r:id="rId11"/>
+    <p:sldId id="414" r:id="rId12"/>
+    <p:sldId id="416" r:id="rId13"/>
+    <p:sldId id="427" r:id="rId14"/>
+    <p:sldId id="428" r:id="rId15"/>
+    <p:sldId id="434" r:id="rId16"/>
+    <p:sldId id="435" r:id="rId17"/>
   </p:sldIdLst>
   <p:sldSz cx="18288000" cy="10287000"/>
   <p:notesSz cx="6858000" cy="9144000"/>
   <p:embeddedFontLst>
     <p:embeddedFont>
       <p:font typeface="Consolas" panose="020B0609020204030204" pitchFamily="49" charset="0"/>
-      <p:regular r:id="rId21"/>
-      <p:bold r:id="rId22"/>
-      <p:italic r:id="rId23"/>
-      <p:boldItalic r:id="rId24"/>
+      <p:regular r:id="rId19"/>
+      <p:bold r:id="rId20"/>
+      <p:italic r:id="rId21"/>
+      <p:boldItalic r:id="rId22"/>
     </p:embeddedFont>
   </p:embeddedFontLst>
   <p:defaultTextStyle>
@@ -608,7 +606,7 @@
           <a:p>
             <a:fld id="{1300335D-9F13-4B80-ADC5-B0EA3E10FF6B}" type="slidenum">
               <a:rPr lang="en-US" smtClean="0"/>
-              <a:t>6</a:t>
+              <a:t>5</a:t>
             </a:fld>
             <a:endParaRPr lang="en-US"/>
           </a:p>
@@ -716,7 +714,7 @@
           <a:p>
             <a:fld id="{1300335D-9F13-4B80-ADC5-B0EA3E10FF6B}" type="slidenum">
               <a:rPr lang="en-US" smtClean="0"/>
-              <a:t>9</a:t>
+              <a:t>8</a:t>
             </a:fld>
             <a:endParaRPr lang="en-US"/>
           </a:p>
@@ -740,7 +738,13 @@
   <p:cSld>
     <p:spTree>
       <p:nvGrpSpPr>
-        <p:cNvPr id="1" name=""/>
+        <p:cNvPr id="1" name="">
+          <a:extLst>
+            <a:ext uri="{FF2B5EF4-FFF2-40B4-BE49-F238E27FC236}">
+              <a16:creationId xmlns:a16="http://schemas.microsoft.com/office/drawing/2014/main" id="{0FB91D2C-223A-CBA9-2932-F12022E34028}"/>
+            </a:ext>
+          </a:extLst>
+        </p:cNvPr>
         <p:cNvGrpSpPr/>
         <p:nvPr/>
       </p:nvGrpSpPr>
@@ -754,7 +758,13 @@
       </p:grpSpPr>
       <p:sp>
         <p:nvSpPr>
-          <p:cNvPr id="2" name="Slide Image Placeholder 1"/>
+          <p:cNvPr id="2" name="Slide Image Placeholder 1">
+            <a:extLst>
+              <a:ext uri="{FF2B5EF4-FFF2-40B4-BE49-F238E27FC236}">
+                <a16:creationId xmlns:a16="http://schemas.microsoft.com/office/drawing/2014/main" id="{DCDB592E-C129-BA6D-F9C5-D32FBAF83930}"/>
+              </a:ext>
+            </a:extLst>
+          </p:cNvPr>
           <p:cNvSpPr>
             <a:spLocks noGrp="1" noRot="1" noChangeAspect="1"/>
           </p:cNvSpPr>
@@ -766,7 +776,13 @@
       </p:sp>
       <p:sp>
         <p:nvSpPr>
-          <p:cNvPr id="3" name="Notes Placeholder 2"/>
+          <p:cNvPr id="3" name="Notes Placeholder 2">
+            <a:extLst>
+              <a:ext uri="{FF2B5EF4-FFF2-40B4-BE49-F238E27FC236}">
+                <a16:creationId xmlns:a16="http://schemas.microsoft.com/office/drawing/2014/main" id="{1B67D759-EC93-C919-7883-2FB7161EA483}"/>
+              </a:ext>
+            </a:extLst>
+          </p:cNvPr>
           <p:cNvSpPr>
             <a:spLocks noGrp="1"/>
           </p:cNvSpPr>
@@ -809,7 +825,13 @@
       </p:sp>
       <p:sp>
         <p:nvSpPr>
-          <p:cNvPr id="4" name="Slide Number Placeholder 3"/>
+          <p:cNvPr id="4" name="Slide Number Placeholder 3">
+            <a:extLst>
+              <a:ext uri="{FF2B5EF4-FFF2-40B4-BE49-F238E27FC236}">
+                <a16:creationId xmlns:a16="http://schemas.microsoft.com/office/drawing/2014/main" id="{A52F24EA-48FB-7FB1-7B2B-0DB770FE0F24}"/>
+              </a:ext>
+            </a:extLst>
+          </p:cNvPr>
           <p:cNvSpPr>
             <a:spLocks noGrp="1"/>
           </p:cNvSpPr>
@@ -824,7 +846,7 @@
           <a:p>
             <a:fld id="{1300335D-9F13-4B80-ADC5-B0EA3E10FF6B}" type="slidenum">
               <a:rPr lang="en-US" smtClean="0"/>
-              <a:t>12</a:t>
+              <a:t>10</a:t>
             </a:fld>
             <a:endParaRPr lang="en-US"/>
           </a:p>
@@ -833,7 +855,7 @@
     </p:spTree>
     <p:extLst>
       <p:ext uri="{BB962C8B-B14F-4D97-AF65-F5344CB8AC3E}">
-        <p14:creationId xmlns:p14="http://schemas.microsoft.com/office/powerpoint/2010/main" val="2338108748"/>
+        <p14:creationId xmlns:p14="http://schemas.microsoft.com/office/powerpoint/2010/main" val="985148222"/>
       </p:ext>
     </p:extLst>
   </p:cSld>
@@ -956,7 +978,7 @@
           <a:p>
             <a:fld id="{1300335D-9F13-4B80-ADC5-B0EA3E10FF6B}" type="slidenum">
               <a:rPr lang="en-US" smtClean="0"/>
-              <a:t>15</a:t>
+              <a:t>13</a:t>
             </a:fld>
             <a:endParaRPr lang="en-US"/>
           </a:p>
@@ -1088,7 +1110,7 @@
           <a:p>
             <a:fld id="{1300335D-9F13-4B80-ADC5-B0EA3E10FF6B}" type="slidenum">
               <a:rPr lang="en-US" smtClean="0"/>
-              <a:t>16</a:t>
+              <a:t>14</a:t>
             </a:fld>
             <a:endParaRPr lang="en-US"/>
           </a:p>
@@ -1220,7 +1242,7 @@
           <a:p>
             <a:fld id="{1300335D-9F13-4B80-ADC5-B0EA3E10FF6B}" type="slidenum">
               <a:rPr lang="en-US" smtClean="0"/>
-              <a:t>17</a:t>
+              <a:t>15</a:t>
             </a:fld>
             <a:endParaRPr lang="en-US"/>
           </a:p>
@@ -4331,7 +4353,13 @@
   <p:cSld>
     <p:spTree>
       <p:nvGrpSpPr>
-        <p:cNvPr id="1" name=""/>
+        <p:cNvPr id="1" name="">
+          <a:extLst>
+            <a:ext uri="{FF2B5EF4-FFF2-40B4-BE49-F238E27FC236}">
+              <a16:creationId xmlns:a16="http://schemas.microsoft.com/office/drawing/2014/main" id="{531D2090-BB07-DA6C-0CF5-154066A41B6E}"/>
+            </a:ext>
+          </a:extLst>
+        </p:cNvPr>
         <p:cNvGrpSpPr/>
         <p:nvPr/>
       </p:nvGrpSpPr>
@@ -4343,174 +4371,22 @@
           <a:chExt cx="0" cy="0"/>
         </a:xfrm>
       </p:grpSpPr>
-      <p:pic>
-        <p:nvPicPr>
-          <p:cNvPr id="10" name="Picture 9"/>
-          <p:cNvPicPr>
-            <a:picLocks noChangeAspect="1"/>
-          </p:cNvPicPr>
-          <p:nvPr/>
-        </p:nvPicPr>
-        <p:blipFill rotWithShape="1">
-          <a:blip r:embed="rId2">
-            <a:extLst>
-              <a:ext uri="{28A0092B-C50C-407E-A947-70E740481C1C}">
-                <a14:useLocalDpi xmlns:a14="http://schemas.microsoft.com/office/drawing/2010/main" val="0"/>
-              </a:ext>
-            </a:extLst>
-          </a:blip>
-          <a:srcRect l="50728" t="56371"/>
-          <a:stretch/>
-        </p:blipFill>
-        <p:spPr>
-          <a:xfrm>
-            <a:off x="12204691" y="3316148"/>
-            <a:ext cx="6083309" cy="6970854"/>
-          </a:xfrm>
-          <a:prstGeom prst="rect">
-            <a:avLst/>
-          </a:prstGeom>
-        </p:spPr>
-      </p:pic>
-      <p:pic>
-        <p:nvPicPr>
-          <p:cNvPr id="4" name="Picture 3"/>
-          <p:cNvPicPr>
-            <a:picLocks noChangeAspect="1"/>
-          </p:cNvPicPr>
-          <p:nvPr/>
-        </p:nvPicPr>
-        <p:blipFill>
-          <a:blip r:embed="rId3">
-            <a:extLst>
-              <a:ext uri="{28A0092B-C50C-407E-A947-70E740481C1C}">
-                <a14:useLocalDpi xmlns:a14="http://schemas.microsoft.com/office/drawing/2010/main" val="0"/>
-              </a:ext>
-            </a:extLst>
-          </a:blip>
-          <a:stretch>
-            <a:fillRect/>
-          </a:stretch>
-        </p:blipFill>
-        <p:spPr>
-          <a:xfrm>
-            <a:off x="-807744" y="-3724155"/>
-            <a:ext cx="15257208" cy="11189825"/>
-          </a:xfrm>
-          <a:prstGeom prst="rect">
-            <a:avLst/>
-          </a:prstGeom>
-        </p:spPr>
-      </p:pic>
-      <p:sp>
-        <p:nvSpPr>
-          <p:cNvPr id="11" name="TextBox 10"/>
-          <p:cNvSpPr txBox="1"/>
-          <p:nvPr/>
-        </p:nvSpPr>
-        <p:spPr>
-          <a:xfrm>
-            <a:off x="486137" y="2531318"/>
-            <a:ext cx="11979797" cy="923330"/>
-          </a:xfrm>
-          <a:prstGeom prst="rect">
-            <a:avLst/>
-          </a:prstGeom>
-          <a:noFill/>
-        </p:spPr>
-        <p:txBody>
-          <a:bodyPr wrap="square" rtlCol="0">
-            <a:spAutoFit/>
-          </a:bodyPr>
-          <a:lstStyle/>
-          <a:p>
-            <a:r>
-              <a:rPr lang="en-US" sz="5400" b="1" dirty="0">
-                <a:solidFill>
-                  <a:srgbClr val="CF3338"/>
-                </a:solidFill>
-                <a:latin typeface="Pragmatica" panose="020B0403040502020204" pitchFamily="34" charset="0"/>
-              </a:rPr>
-              <a:t>Questions?</a:t>
-            </a:r>
-          </a:p>
-        </p:txBody>
-      </p:sp>
-      <p:pic>
-        <p:nvPicPr>
-          <p:cNvPr id="5" name="Picture 4">
+      <p:sp>
+        <p:nvSpPr>
+          <p:cNvPr id="4" name="Rectangle 3">
             <a:extLst>
               <a:ext uri="{FF2B5EF4-FFF2-40B4-BE49-F238E27FC236}">
-                <a16:creationId xmlns:a16="http://schemas.microsoft.com/office/drawing/2014/main" id="{54A06221-5316-4BCF-9FDA-BDB95FF4A778}"/>
+                <a16:creationId xmlns:a16="http://schemas.microsoft.com/office/drawing/2014/main" id="{F0FDDA05-313A-57A5-138F-DA5411B46900}"/>
               </a:ext>
             </a:extLst>
           </p:cNvPr>
-          <p:cNvPicPr>
-            <a:picLocks noChangeAspect="1"/>
-          </p:cNvPicPr>
-          <p:nvPr/>
-        </p:nvPicPr>
-        <p:blipFill>
-          <a:blip r:embed="rId4">
-            <a:extLst>
-              <a:ext uri="{28A0092B-C50C-407E-A947-70E740481C1C}">
-                <a14:useLocalDpi xmlns:a14="http://schemas.microsoft.com/office/drawing/2010/main" val="0"/>
-              </a:ext>
-            </a:extLst>
-          </a:blip>
-          <a:srcRect/>
-          <a:stretch/>
-        </p:blipFill>
-        <p:spPr>
-          <a:xfrm>
-            <a:off x="12204691" y="3317239"/>
-            <a:ext cx="6083309" cy="6968672"/>
-          </a:xfrm>
-          <a:prstGeom prst="rect">
-            <a:avLst/>
-          </a:prstGeom>
-        </p:spPr>
-      </p:pic>
-    </p:spTree>
-    <p:extLst>
-      <p:ext uri="{BB962C8B-B14F-4D97-AF65-F5344CB8AC3E}">
-        <p14:creationId xmlns:p14="http://schemas.microsoft.com/office/powerpoint/2010/main" val="2899625024"/>
-      </p:ext>
-    </p:extLst>
-  </p:cSld>
-  <p:clrMapOvr>
-    <a:masterClrMapping/>
-  </p:clrMapOvr>
-</p:sld>
-</file>
-
-<file path=ppt/slides/slide11.xml><?xml version="1.0" encoding="utf-8"?>
-<p:sld xmlns:a="http://schemas.openxmlformats.org/drawingml/2006/main" xmlns:r="http://schemas.openxmlformats.org/officeDocument/2006/relationships" xmlns:p="http://schemas.openxmlformats.org/presentationml/2006/main">
-  <p:cSld>
-    <p:spTree>
-      <p:nvGrpSpPr>
-        <p:cNvPr id="1" name=""/>
-        <p:cNvGrpSpPr/>
-        <p:nvPr/>
-      </p:nvGrpSpPr>
-      <p:grpSpPr>
-        <a:xfrm>
-          <a:off x="0" y="0"/>
-          <a:ext cx="0" cy="0"/>
-          <a:chOff x="0" y="0"/>
-          <a:chExt cx="0" cy="0"/>
-        </a:xfrm>
-      </p:grpSpPr>
-      <p:sp>
-        <p:nvSpPr>
-          <p:cNvPr id="4" name="Rectangle 3"/>
           <p:cNvSpPr/>
           <p:nvPr/>
         </p:nvSpPr>
         <p:spPr>
           <a:xfrm>
-            <a:off x="0" y="0"/>
-            <a:ext cx="18288000" cy="10287000"/>
+            <a:off x="9861630" y="0"/>
+            <a:ext cx="8426370" cy="10287000"/>
           </a:xfrm>
           <a:prstGeom prst="rect">
             <a:avLst/>
@@ -4547,155 +4423,15 @@
           </a:p>
         </p:txBody>
       </p:sp>
-      <p:sp>
-        <p:nvSpPr>
-          <p:cNvPr id="5" name="TextBox 4"/>
-          <p:cNvSpPr txBox="1"/>
-          <p:nvPr/>
-        </p:nvSpPr>
-        <p:spPr>
-          <a:xfrm>
-            <a:off x="781292" y="590309"/>
-            <a:ext cx="15486926" cy="4662815"/>
-          </a:xfrm>
-          <a:prstGeom prst="rect">
-            <a:avLst/>
-          </a:prstGeom>
-          <a:noFill/>
-        </p:spPr>
-        <p:txBody>
-          <a:bodyPr wrap="square" rtlCol="0">
-            <a:spAutoFit/>
-          </a:bodyPr>
-          <a:lstStyle/>
-          <a:p>
-            <a:r>
-              <a:rPr lang="en-US" sz="9900" b="1" dirty="0">
-                <a:solidFill>
-                  <a:schemeClr val="bg1"/>
-                </a:solidFill>
-                <a:latin typeface="Normafixed Tryout" panose="00000409000000000000" pitchFamily="49" charset="0"/>
-              </a:rPr>
-              <a:t>3. There’s more to Python </a:t>
-            </a:r>
-            <a:r>
-              <a:rPr lang="en-US" sz="9900" b="1" i="1" dirty="0">
-                <a:solidFill>
-                  <a:schemeClr val="bg1"/>
-                </a:solidFill>
-                <a:latin typeface="Normafixed Tryout" panose="00000409000000000000" pitchFamily="49" charset="0"/>
-              </a:rPr>
-              <a:t>and </a:t>
-            </a:r>
-            <a:r>
-              <a:rPr lang="en-US" sz="9900" b="1" dirty="0">
-                <a:solidFill>
-                  <a:schemeClr val="bg1"/>
-                </a:solidFill>
-                <a:latin typeface="Normafixed Tryout" panose="00000409000000000000" pitchFamily="49" charset="0"/>
-              </a:rPr>
-              <a:t>Excel than Python </a:t>
-            </a:r>
-            <a:r>
-              <a:rPr lang="en-US" sz="9900" b="1" i="1" dirty="0">
-                <a:solidFill>
-                  <a:schemeClr val="bg1"/>
-                </a:solidFill>
-                <a:latin typeface="Normafixed Tryout" panose="00000409000000000000" pitchFamily="49" charset="0"/>
-              </a:rPr>
-              <a:t>in </a:t>
-            </a:r>
-            <a:r>
-              <a:rPr lang="en-US" sz="9900" b="1" dirty="0">
-                <a:solidFill>
-                  <a:schemeClr val="bg1"/>
-                </a:solidFill>
-                <a:latin typeface="Normafixed Tryout" panose="00000409000000000000" pitchFamily="49" charset="0"/>
-              </a:rPr>
-              <a:t>Excel</a:t>
-            </a:r>
-          </a:p>
-        </p:txBody>
-      </p:sp>
-    </p:spTree>
-    <p:extLst>
-      <p:ext uri="{BB962C8B-B14F-4D97-AF65-F5344CB8AC3E}">
-        <p14:creationId xmlns:p14="http://schemas.microsoft.com/office/powerpoint/2010/main" val="1915421395"/>
-      </p:ext>
-    </p:extLst>
-  </p:cSld>
-  <p:clrMapOvr>
-    <a:masterClrMapping/>
-  </p:clrMapOvr>
-</p:sld>
-</file>
-
-<file path=ppt/slides/slide12.xml><?xml version="1.0" encoding="utf-8"?>
-<p:sld xmlns:a="http://schemas.openxmlformats.org/drawingml/2006/main" xmlns:r="http://schemas.openxmlformats.org/officeDocument/2006/relationships" xmlns:p="http://schemas.openxmlformats.org/presentationml/2006/main">
-  <p:cSld>
-    <p:spTree>
-      <p:nvGrpSpPr>
-        <p:cNvPr id="1" name=""/>
-        <p:cNvGrpSpPr/>
-        <p:nvPr/>
-      </p:nvGrpSpPr>
-      <p:grpSpPr>
-        <a:xfrm>
-          <a:off x="0" y="0"/>
-          <a:ext cx="0" cy="0"/>
-          <a:chOff x="0" y="0"/>
-          <a:chExt cx="0" cy="0"/>
-        </a:xfrm>
-      </p:grpSpPr>
-      <p:sp>
-        <p:nvSpPr>
-          <p:cNvPr id="4" name="Rectangle 3"/>
-          <p:cNvSpPr/>
-          <p:nvPr/>
-        </p:nvSpPr>
-        <p:spPr>
-          <a:xfrm>
-            <a:off x="9861630" y="0"/>
-            <a:ext cx="8426370" cy="10287000"/>
-          </a:xfrm>
-          <a:prstGeom prst="rect">
-            <a:avLst/>
-          </a:prstGeom>
-          <a:solidFill>
-            <a:srgbClr val="CF3338"/>
-          </a:solidFill>
-          <a:ln>
-            <a:noFill/>
-          </a:ln>
-        </p:spPr>
-        <p:style>
-          <a:lnRef idx="2">
-            <a:schemeClr val="accent1">
-              <a:shade val="50000"/>
-            </a:schemeClr>
-          </a:lnRef>
-          <a:fillRef idx="1">
-            <a:schemeClr val="accent1"/>
-          </a:fillRef>
-          <a:effectRef idx="0">
-            <a:schemeClr val="accent1"/>
-          </a:effectRef>
-          <a:fontRef idx="minor">
-            <a:schemeClr val="lt1"/>
-          </a:fontRef>
-        </p:style>
-        <p:txBody>
-          <a:bodyPr rtlCol="0" anchor="ctr"/>
-          <a:lstStyle/>
-          <a:p>
-            <a:pPr algn="ctr"/>
-            <a:endParaRPr lang="en-US" sz="2700"/>
-          </a:p>
-        </p:txBody>
-      </p:sp>
       <p:pic>
         <p:nvPicPr>
-          <p:cNvPr id="2" name="Picture 1"/>
+          <p:cNvPr id="2" name="Picture 1">
+            <a:extLst>
+              <a:ext uri="{FF2B5EF4-FFF2-40B4-BE49-F238E27FC236}">
+                <a16:creationId xmlns:a16="http://schemas.microsoft.com/office/drawing/2014/main" id="{06AB891E-3E65-B241-3F36-6F9CD1C6AF26}"/>
+              </a:ext>
+            </a:extLst>
+          </p:cNvPr>
           <p:cNvPicPr>
             <a:picLocks noChangeAspect="1"/>
           </p:cNvPicPr>
@@ -4724,14 +4460,20 @@
       </p:pic>
       <p:sp>
         <p:nvSpPr>
-          <p:cNvPr id="3" name="TextBox 2"/>
+          <p:cNvPr id="3" name="TextBox 2">
+            <a:extLst>
+              <a:ext uri="{FF2B5EF4-FFF2-40B4-BE49-F238E27FC236}">
+                <a16:creationId xmlns:a16="http://schemas.microsoft.com/office/drawing/2014/main" id="{68AF7DFD-8C76-E7D6-47A0-8CF79CCDBE00}"/>
+              </a:ext>
+            </a:extLst>
+          </p:cNvPr>
           <p:cNvSpPr txBox="1"/>
           <p:nvPr/>
         </p:nvSpPr>
         <p:spPr>
           <a:xfrm>
             <a:off x="260431" y="329879"/>
-            <a:ext cx="8906720" cy="10234084"/>
+            <a:ext cx="8906720" cy="9301521"/>
           </a:xfrm>
           <a:prstGeom prst="rect">
             <a:avLst/>
@@ -4751,46 +4493,8 @@
                 </a:solidFill>
                 <a:latin typeface="Pragmatica" panose="020B0403040502020204" pitchFamily="34" charset="0"/>
               </a:rPr>
-              <a:t>There’s more to Python </a:t>
-            </a:r>
-            <a:r>
-              <a:rPr lang="en-US" sz="6000" b="1" i="1" dirty="0">
-                <a:solidFill>
-                  <a:srgbClr val="CF3338"/>
-                </a:solidFill>
-                <a:latin typeface="Pragmatica" panose="020B0403040502020204" pitchFamily="34" charset="0"/>
-              </a:rPr>
-              <a:t>and</a:t>
-            </a:r>
-            <a:r>
-              <a:rPr lang="en-US" sz="6000" b="1" dirty="0">
-                <a:solidFill>
-                  <a:srgbClr val="CF3338"/>
-                </a:solidFill>
-                <a:latin typeface="Pragmatica" panose="020B0403040502020204" pitchFamily="34" charset="0"/>
-              </a:rPr>
-              <a:t> Excel than Python </a:t>
-            </a:r>
-            <a:r>
-              <a:rPr lang="en-US" sz="6000" b="1" i="1" dirty="0">
-                <a:solidFill>
-                  <a:srgbClr val="CF3338"/>
-                </a:solidFill>
-                <a:latin typeface="Pragmatica" panose="020B0403040502020204" pitchFamily="34" charset="0"/>
-              </a:rPr>
-              <a:t>in </a:t>
-            </a:r>
-            <a:r>
-              <a:rPr lang="en-US" sz="6000" b="1" dirty="0">
-                <a:solidFill>
-                  <a:srgbClr val="CF3338"/>
-                </a:solidFill>
-                <a:latin typeface="Pragmatica" panose="020B0403040502020204" pitchFamily="34" charset="0"/>
-              </a:rPr>
-              <a:t>Excel</a:t>
-            </a:r>
-          </a:p>
-          <a:p>
+              <a:t>Interactive visualizations with Python in Excel</a:t>
+            </a:r>
             <a:endParaRPr lang="en-US" sz="4200" dirty="0">
               <a:solidFill>
                 <a:srgbClr val="CF3338"/>
@@ -4821,7 +4525,7 @@
                 <a:latin typeface="Pragmatica" panose="020B0403040502020204"/>
                 <a:sym typeface="Consolas"/>
               </a:rPr>
-              <a:t>Python in Excel is all about data analysis, visualization, statistics &amp; ML</a:t>
+              <a:t>Python in Excel can’t include tooltips (yet)…</a:t>
             </a:r>
           </a:p>
           <a:p>
@@ -4847,7 +4551,7 @@
                 <a:latin typeface="Pragmatica" panose="020B0403040502020204"/>
                 <a:sym typeface="Consolas"/>
               </a:rPr>
-              <a:t>It lacks Excel automation capabilities</a:t>
+              <a:t>… but we can add user inputs and data validation via Excel</a:t>
             </a:r>
           </a:p>
           <a:p>
@@ -4873,7 +4577,7 @@
                 <a:latin typeface="Pragmatica" panose="020B0403040502020204"/>
                 <a:sym typeface="Consolas"/>
               </a:rPr>
-              <a:t>You can automate an entire Excel workbook from Python… without opening Excel!</a:t>
+              <a:t>Let’s make an interactive rolling average chart where the user defines the # of periods</a:t>
             </a:r>
           </a:p>
           <a:p>
@@ -4923,14 +4627,14 @@
               <a:t>File: </a:t>
             </a:r>
             <a:r>
-              <a:rPr lang="en-US" sz="3600" dirty="0" err="1">
+              <a:rPr lang="en-US" sz="3600" dirty="0">
                 <a:solidFill>
                   <a:srgbClr val="C00000"/>
                 </a:solidFill>
                 <a:latin typeface="Consolas" panose="020B0609020204030204" pitchFamily="49" charset="0"/>
                 <a:sym typeface="Consolas"/>
               </a:rPr>
-              <a:t>pae-pie.ipynb</a:t>
+              <a:t>interactive-viz-pie.xlsx</a:t>
             </a:r>
             <a:endParaRPr lang="en-US" sz="6000" dirty="0">
               <a:solidFill>
@@ -4952,7 +4656,7 @@
     </p:spTree>
     <p:extLst>
       <p:ext uri="{BB962C8B-B14F-4D97-AF65-F5344CB8AC3E}">
-        <p14:creationId xmlns:p14="http://schemas.microsoft.com/office/powerpoint/2010/main" val="2938274525"/>
+        <p14:creationId xmlns:p14="http://schemas.microsoft.com/office/powerpoint/2010/main" val="297828018"/>
       </p:ext>
     </p:extLst>
   </p:cSld>
@@ -4962,7 +4666,7 @@
 </p:sld>
 </file>
 
-<file path=ppt/slides/slide13.xml><?xml version="1.0" encoding="utf-8"?>
+<file path=ppt/slides/slide11.xml><?xml version="1.0" encoding="utf-8"?>
 <p:sld xmlns:a="http://schemas.openxmlformats.org/drawingml/2006/main" xmlns:r="http://schemas.openxmlformats.org/officeDocument/2006/relationships" xmlns:p="http://schemas.openxmlformats.org/presentationml/2006/main">
   <p:cSld>
     <p:spTree>
@@ -5110,7 +4814,7 @@
     </p:spTree>
     <p:extLst>
       <p:ext uri="{BB962C8B-B14F-4D97-AF65-F5344CB8AC3E}">
-        <p14:creationId xmlns:p14="http://schemas.microsoft.com/office/powerpoint/2010/main" val="59831101"/>
+        <p14:creationId xmlns:p14="http://schemas.microsoft.com/office/powerpoint/2010/main" val="2899625024"/>
       </p:ext>
     </p:extLst>
   </p:cSld>
@@ -5120,18 +4824,12 @@
 </p:sld>
 </file>
 
-<file path=ppt/slides/slide14.xml><?xml version="1.0" encoding="utf-8"?>
+<file path=ppt/slides/slide12.xml><?xml version="1.0" encoding="utf-8"?>
 <p:sld xmlns:a="http://schemas.openxmlformats.org/drawingml/2006/main" xmlns:r="http://schemas.openxmlformats.org/officeDocument/2006/relationships" xmlns:p="http://schemas.openxmlformats.org/presentationml/2006/main">
   <p:cSld>
     <p:spTree>
       <p:nvGrpSpPr>
-        <p:cNvPr id="1" name="">
-          <a:extLst>
-            <a:ext uri="{FF2B5EF4-FFF2-40B4-BE49-F238E27FC236}">
-              <a16:creationId xmlns:a16="http://schemas.microsoft.com/office/drawing/2014/main" id="{E85323C9-D5F7-C820-78B9-E169BDF2311C}"/>
-            </a:ext>
-          </a:extLst>
-        </p:cNvPr>
+        <p:cNvPr id="1" name=""/>
         <p:cNvGrpSpPr/>
         <p:nvPr/>
       </p:nvGrpSpPr>
@@ -5143,74 +4841,75 @@
           <a:chExt cx="0" cy="0"/>
         </a:xfrm>
       </p:grpSpPr>
-      <p:sp>
-        <p:nvSpPr>
-          <p:cNvPr id="4" name="Rectangle 3">
+      <p:pic>
+        <p:nvPicPr>
+          <p:cNvPr id="10" name="Picture 9"/>
+          <p:cNvPicPr>
+            <a:picLocks noChangeAspect="1"/>
+          </p:cNvPicPr>
+          <p:nvPr/>
+        </p:nvPicPr>
+        <p:blipFill rotWithShape="1">
+          <a:blip r:embed="rId2">
             <a:extLst>
-              <a:ext uri="{FF2B5EF4-FFF2-40B4-BE49-F238E27FC236}">
-                <a16:creationId xmlns:a16="http://schemas.microsoft.com/office/drawing/2014/main" id="{28971779-1F50-1702-DEC1-87CD482189F0}"/>
+              <a:ext uri="{28A0092B-C50C-407E-A947-70E740481C1C}">
+                <a14:useLocalDpi xmlns:a14="http://schemas.microsoft.com/office/drawing/2010/main" val="0"/>
               </a:ext>
             </a:extLst>
-          </p:cNvPr>
-          <p:cNvSpPr/>
-          <p:nvPr/>
-        </p:nvSpPr>
+          </a:blip>
+          <a:srcRect l="50728" t="56371"/>
+          <a:stretch/>
+        </p:blipFill>
         <p:spPr>
           <a:xfrm>
-            <a:off x="0" y="0"/>
-            <a:ext cx="18288000" cy="10287000"/>
+            <a:off x="12204691" y="3316148"/>
+            <a:ext cx="6083309" cy="6970854"/>
           </a:xfrm>
           <a:prstGeom prst="rect">
             <a:avLst/>
           </a:prstGeom>
-          <a:solidFill>
-            <a:srgbClr val="CF3338"/>
-          </a:solidFill>
-          <a:ln>
-            <a:noFill/>
-          </a:ln>
-        </p:spPr>
-        <p:style>
-          <a:lnRef idx="2">
-            <a:schemeClr val="accent1">
-              <a:shade val="50000"/>
-            </a:schemeClr>
-          </a:lnRef>
-          <a:fillRef idx="1">
-            <a:schemeClr val="accent1"/>
-          </a:fillRef>
-          <a:effectRef idx="0">
-            <a:schemeClr val="accent1"/>
-          </a:effectRef>
-          <a:fontRef idx="minor">
-            <a:schemeClr val="lt1"/>
-          </a:fontRef>
-        </p:style>
-        <p:txBody>
-          <a:bodyPr rtlCol="0" anchor="ctr"/>
-          <a:lstStyle/>
-          <a:p>
-            <a:pPr algn="ctr"/>
-            <a:endParaRPr lang="en-US" sz="2700"/>
-          </a:p>
-        </p:txBody>
-      </p:sp>
-      <p:sp>
-        <p:nvSpPr>
-          <p:cNvPr id="5" name="TextBox 4">
+        </p:spPr>
+      </p:pic>
+      <p:pic>
+        <p:nvPicPr>
+          <p:cNvPr id="4" name="Picture 3"/>
+          <p:cNvPicPr>
+            <a:picLocks noChangeAspect="1"/>
+          </p:cNvPicPr>
+          <p:nvPr/>
+        </p:nvPicPr>
+        <p:blipFill>
+          <a:blip r:embed="rId3">
             <a:extLst>
-              <a:ext uri="{FF2B5EF4-FFF2-40B4-BE49-F238E27FC236}">
-                <a16:creationId xmlns:a16="http://schemas.microsoft.com/office/drawing/2014/main" id="{5ECC4C7B-C529-5329-03AC-796804551DC1}"/>
+              <a:ext uri="{28A0092B-C50C-407E-A947-70E740481C1C}">
+                <a14:useLocalDpi xmlns:a14="http://schemas.microsoft.com/office/drawing/2010/main" val="0"/>
               </a:ext>
             </a:extLst>
-          </p:cNvPr>
+          </a:blip>
+          <a:stretch>
+            <a:fillRect/>
+          </a:stretch>
+        </p:blipFill>
+        <p:spPr>
+          <a:xfrm>
+            <a:off x="-807744" y="-3724155"/>
+            <a:ext cx="15257208" cy="11189825"/>
+          </a:xfrm>
+          <a:prstGeom prst="rect">
+            <a:avLst/>
+          </a:prstGeom>
+        </p:spPr>
+      </p:pic>
+      <p:sp>
+        <p:nvSpPr>
+          <p:cNvPr id="11" name="TextBox 10"/>
           <p:cNvSpPr txBox="1"/>
           <p:nvPr/>
         </p:nvSpPr>
         <p:spPr>
           <a:xfrm>
-            <a:off x="781292" y="590309"/>
-            <a:ext cx="15486926" cy="1615827"/>
+            <a:off x="486137" y="2531318"/>
+            <a:ext cx="11979797" cy="923330"/>
           </a:xfrm>
           <a:prstGeom prst="rect">
             <a:avLst/>
@@ -5224,21 +4923,56 @@
           <a:lstStyle/>
           <a:p>
             <a:r>
-              <a:rPr lang="en-US" sz="9900" b="1" dirty="0">
+              <a:rPr lang="en-US" sz="5400" b="1" dirty="0">
                 <a:solidFill>
-                  <a:schemeClr val="bg1"/>
+                  <a:srgbClr val="CF3338"/>
                 </a:solidFill>
-                <a:latin typeface="Normafixed Tryout" panose="00000409000000000000" pitchFamily="49" charset="0"/>
+                <a:latin typeface="Pragmatica" panose="020B0403040502020204" pitchFamily="34" charset="0"/>
               </a:rPr>
-              <a:t>4. Conclusion</a:t>
-            </a:r>
-          </a:p>
-        </p:txBody>
-      </p:sp>
+              <a:t>Questions?</a:t>
+            </a:r>
+          </a:p>
+        </p:txBody>
+      </p:sp>
+      <p:pic>
+        <p:nvPicPr>
+          <p:cNvPr id="5" name="Picture 4">
+            <a:extLst>
+              <a:ext uri="{FF2B5EF4-FFF2-40B4-BE49-F238E27FC236}">
+                <a16:creationId xmlns:a16="http://schemas.microsoft.com/office/drawing/2014/main" id="{54A06221-5316-4BCF-9FDA-BDB95FF4A778}"/>
+              </a:ext>
+            </a:extLst>
+          </p:cNvPr>
+          <p:cNvPicPr>
+            <a:picLocks noChangeAspect="1"/>
+          </p:cNvPicPr>
+          <p:nvPr/>
+        </p:nvPicPr>
+        <p:blipFill>
+          <a:blip r:embed="rId4">
+            <a:extLst>
+              <a:ext uri="{28A0092B-C50C-407E-A947-70E740481C1C}">
+                <a14:useLocalDpi xmlns:a14="http://schemas.microsoft.com/office/drawing/2010/main" val="0"/>
+              </a:ext>
+            </a:extLst>
+          </a:blip>
+          <a:srcRect/>
+          <a:stretch/>
+        </p:blipFill>
+        <p:spPr>
+          <a:xfrm>
+            <a:off x="12204691" y="3317239"/>
+            <a:ext cx="6083309" cy="6968672"/>
+          </a:xfrm>
+          <a:prstGeom prst="rect">
+            <a:avLst/>
+          </a:prstGeom>
+        </p:spPr>
+      </p:pic>
     </p:spTree>
     <p:extLst>
       <p:ext uri="{BB962C8B-B14F-4D97-AF65-F5344CB8AC3E}">
-        <p14:creationId xmlns:p14="http://schemas.microsoft.com/office/powerpoint/2010/main" val="358064314"/>
+        <p14:creationId xmlns:p14="http://schemas.microsoft.com/office/powerpoint/2010/main" val="59831101"/>
       </p:ext>
     </p:extLst>
   </p:cSld>
@@ -5248,7 +4982,7 @@
 </p:sld>
 </file>
 
-<file path=ppt/slides/slide15.xml><?xml version="1.0" encoding="utf-8"?>
+<file path=ppt/slides/slide13.xml><?xml version="1.0" encoding="utf-8"?>
 <p:sld xmlns:a="http://schemas.openxmlformats.org/drawingml/2006/main" xmlns:r="http://schemas.openxmlformats.org/officeDocument/2006/relationships" xmlns:p="http://schemas.openxmlformats.org/presentationml/2006/main">
   <p:cSld>
     <p:spTree>
@@ -5478,7 +5212,7 @@
 </p:sld>
 </file>
 
-<file path=ppt/slides/slide16.xml><?xml version="1.0" encoding="utf-8"?>
+<file path=ppt/slides/slide14.xml><?xml version="1.0" encoding="utf-8"?>
 <p:sld xmlns:a="http://schemas.openxmlformats.org/drawingml/2006/main" xmlns:r="http://schemas.openxmlformats.org/officeDocument/2006/relationships" xmlns:p="http://schemas.openxmlformats.org/presentationml/2006/main">
   <p:cSld>
     <p:spTree>
@@ -5708,7 +5442,7 @@
 </p:sld>
 </file>
 
-<file path=ppt/slides/slide17.xml><?xml version="1.0" encoding="utf-8"?>
+<file path=ppt/slides/slide15.xml><?xml version="1.0" encoding="utf-8"?>
 <p:sld xmlns:a="http://schemas.openxmlformats.org/drawingml/2006/main" xmlns:r="http://schemas.openxmlformats.org/officeDocument/2006/relationships" xmlns:p="http://schemas.openxmlformats.org/presentationml/2006/main">
   <p:cSld>
     <p:spTree>
@@ -5938,7 +5672,7 @@
 </p:sld>
 </file>
 
-<file path=ppt/slides/slide18.xml><?xml version="1.0" encoding="utf-8"?>
+<file path=ppt/slides/slide16.xml><?xml version="1.0" encoding="utf-8"?>
 <p:sld xmlns:a="http://schemas.openxmlformats.org/drawingml/2006/main" xmlns:r="http://schemas.openxmlformats.org/officeDocument/2006/relationships" xmlns:p="http://schemas.openxmlformats.org/presentationml/2006/main">
   <p:cSld>
     <p:spTree>
@@ -6518,14 +6252,60 @@
       </p:grpSpPr>
       <p:sp>
         <p:nvSpPr>
-          <p:cNvPr id="11" name="TextBox 10"/>
+          <p:cNvPr id="4" name="Rectangle 3"/>
+          <p:cNvSpPr/>
+          <p:nvPr/>
+        </p:nvSpPr>
+        <p:spPr>
+          <a:xfrm>
+            <a:off x="0" y="0"/>
+            <a:ext cx="18288000" cy="10287000"/>
+          </a:xfrm>
+          <a:prstGeom prst="rect">
+            <a:avLst/>
+          </a:prstGeom>
+          <a:solidFill>
+            <a:srgbClr val="CF3338"/>
+          </a:solidFill>
+          <a:ln>
+            <a:noFill/>
+          </a:ln>
+        </p:spPr>
+        <p:style>
+          <a:lnRef idx="2">
+            <a:schemeClr val="accent1">
+              <a:shade val="50000"/>
+            </a:schemeClr>
+          </a:lnRef>
+          <a:fillRef idx="1">
+            <a:schemeClr val="accent1"/>
+          </a:fillRef>
+          <a:effectRef idx="0">
+            <a:schemeClr val="accent1"/>
+          </a:effectRef>
+          <a:fontRef idx="minor">
+            <a:schemeClr val="lt1"/>
+          </a:fontRef>
+        </p:style>
+        <p:txBody>
+          <a:bodyPr rtlCol="0" anchor="ctr"/>
+          <a:lstStyle/>
+          <a:p>
+            <a:pPr algn="ctr"/>
+            <a:endParaRPr lang="en-US" sz="2700"/>
+          </a:p>
+        </p:txBody>
+      </p:sp>
+      <p:sp>
+        <p:nvSpPr>
+          <p:cNvPr id="5" name="TextBox 4"/>
           <p:cNvSpPr txBox="1"/>
           <p:nvPr/>
         </p:nvSpPr>
         <p:spPr>
           <a:xfrm>
-            <a:off x="520861" y="170082"/>
-            <a:ext cx="11979797" cy="1477328"/>
+            <a:off x="781292" y="590309"/>
+            <a:ext cx="15486926" cy="3139321"/>
           </a:xfrm>
           <a:prstGeom prst="rect">
             <a:avLst/>
@@ -6539,149 +6319,21 @@
           <a:lstStyle/>
           <a:p>
             <a:r>
-              <a:rPr lang="en-US" sz="9000" dirty="0">
-                <a:latin typeface="Aliens &amp; cows" panose="00000500000000000000" pitchFamily="2" charset="0"/>
+              <a:rPr lang="en-US" sz="9900" b="1" dirty="0">
+                <a:solidFill>
+                  <a:schemeClr val="bg1"/>
+                </a:solidFill>
+                <a:latin typeface="Normafixed Tryout" panose="00000409000000000000" pitchFamily="49" charset="0"/>
               </a:rPr>
-              <a:t>Following along</a:t>
-            </a:r>
-          </a:p>
-        </p:txBody>
-      </p:sp>
-      <p:sp>
-        <p:nvSpPr>
-          <p:cNvPr id="3" name="TextBox 2"/>
-          <p:cNvSpPr txBox="1"/>
-          <p:nvPr/>
-        </p:nvSpPr>
-        <p:spPr>
-          <a:xfrm>
-            <a:off x="520861" y="3191948"/>
-            <a:ext cx="14393120" cy="2677656"/>
-          </a:xfrm>
-          <a:prstGeom prst="rect">
-            <a:avLst/>
-          </a:prstGeom>
-          <a:noFill/>
-        </p:spPr>
-        <p:txBody>
-          <a:bodyPr wrap="square" rtlCol="0">
-            <a:spAutoFit/>
-          </a:bodyPr>
-          <a:lstStyle/>
-          <a:p>
-            <a:pPr marL="685800" indent="-685800">
-              <a:buClr>
-                <a:srgbClr val="CF3338"/>
-              </a:buClr>
-              <a:buFont typeface="Arial" panose="020B0604020202020204" pitchFamily="34" charset="0"/>
-              <a:buChar char="•"/>
-            </a:pPr>
-            <a:r>
-              <a:rPr lang="en-US" sz="4200" dirty="0">
-                <a:solidFill>
-                  <a:srgbClr val="707070"/>
-                </a:solidFill>
-                <a:latin typeface="Pragmatica" panose="020B0403040502020204" pitchFamily="34" charset="0"/>
-              </a:rPr>
-              <a:t>Each section is a folder</a:t>
-            </a:r>
-          </a:p>
-          <a:p>
-            <a:pPr marL="685800" indent="-685800">
-              <a:buClr>
-                <a:srgbClr val="CF3338"/>
-              </a:buClr>
-              <a:buFont typeface="Arial" panose="020B0604020202020204" pitchFamily="34" charset="0"/>
-              <a:buChar char="•"/>
-            </a:pPr>
-            <a:r>
-              <a:rPr lang="en-US" sz="4200" dirty="0">
-                <a:solidFill>
-                  <a:srgbClr val="707070"/>
-                </a:solidFill>
-                <a:latin typeface="Pragmatica" panose="020B0403040502020204" pitchFamily="34" charset="0"/>
-              </a:rPr>
-              <a:t>Follow demos with me</a:t>
-            </a:r>
-          </a:p>
-          <a:p>
-            <a:pPr marL="1143000" lvl="1" indent="-685800">
-              <a:buClr>
-                <a:srgbClr val="CF3338"/>
-              </a:buClr>
-              <a:buFont typeface="Arial" panose="020B0604020202020204" pitchFamily="34" charset="0"/>
-              <a:buChar char="•"/>
-            </a:pPr>
-            <a:r>
-              <a:rPr lang="en-US" sz="4200" dirty="0">
-                <a:solidFill>
-                  <a:srgbClr val="707070"/>
-                </a:solidFill>
-                <a:latin typeface="Pragmatica" panose="020B0403040502020204" pitchFamily="34" charset="0"/>
-              </a:rPr>
-              <a:t>Solutions also available</a:t>
-            </a:r>
-          </a:p>
-          <a:p>
-            <a:pPr marL="685800" indent="-685800">
-              <a:buClr>
-                <a:srgbClr val="CF3338"/>
-              </a:buClr>
-              <a:buFont typeface="Arial" panose="020B0604020202020204" pitchFamily="34" charset="0"/>
-              <a:buChar char="•"/>
-            </a:pPr>
-            <a:r>
-              <a:rPr lang="en-US" sz="4200" dirty="0">
-                <a:solidFill>
-                  <a:srgbClr val="707070"/>
-                </a:solidFill>
-                <a:latin typeface="Pragmatica" panose="020B0403040502020204" pitchFamily="34" charset="0"/>
-              </a:rPr>
-              <a:t>Exercise folders with solutions for each section</a:t>
-            </a:r>
-          </a:p>
-        </p:txBody>
-      </p:sp>
-      <p:pic>
-        <p:nvPicPr>
-          <p:cNvPr id="15" name="Picture 14" descr="A close up of a sign&#10;&#10;Description automatically generated">
-            <a:extLst>
-              <a:ext uri="{FF2B5EF4-FFF2-40B4-BE49-F238E27FC236}">
-                <a16:creationId xmlns:a16="http://schemas.microsoft.com/office/drawing/2014/main" id="{29761B90-A7DE-4A60-A915-F085BD87CAB4}"/>
-              </a:ext>
-            </a:extLst>
-          </p:cNvPr>
-          <p:cNvPicPr>
-            <a:picLocks noChangeAspect="1"/>
-          </p:cNvPicPr>
-          <p:nvPr/>
-        </p:nvPicPr>
-        <p:blipFill>
-          <a:blip r:embed="rId2">
-            <a:extLst>
-              <a:ext uri="{28A0092B-C50C-407E-A947-70E740481C1C}">
-                <a14:useLocalDpi xmlns:a14="http://schemas.microsoft.com/office/drawing/2010/main" val="0"/>
-              </a:ext>
-            </a:extLst>
-          </a:blip>
-          <a:stretch>
-            <a:fillRect/>
-          </a:stretch>
-        </p:blipFill>
-        <p:spPr>
-          <a:xfrm>
-            <a:off x="16341036" y="8058429"/>
-            <a:ext cx="1942857" cy="2228571"/>
-          </a:xfrm>
-          <a:prstGeom prst="rect">
-            <a:avLst/>
-          </a:prstGeom>
-        </p:spPr>
-      </p:pic>
+              <a:t>1. Understanding the Python in Excel environment</a:t>
+            </a:r>
+          </a:p>
+        </p:txBody>
+      </p:sp>
     </p:spTree>
     <p:extLst>
       <p:ext uri="{BB962C8B-B14F-4D97-AF65-F5344CB8AC3E}">
-        <p14:creationId xmlns:p14="http://schemas.microsoft.com/office/powerpoint/2010/main" val="2731138700"/>
+        <p14:creationId xmlns:p14="http://schemas.microsoft.com/office/powerpoint/2010/main" val="3953945792"/>
       </p:ext>
     </p:extLst>
   </p:cSld>
@@ -6716,116 +6368,6 @@
         </p:nvSpPr>
         <p:spPr>
           <a:xfrm>
-            <a:off x="0" y="0"/>
-            <a:ext cx="18288000" cy="10287000"/>
-          </a:xfrm>
-          <a:prstGeom prst="rect">
-            <a:avLst/>
-          </a:prstGeom>
-          <a:solidFill>
-            <a:srgbClr val="CF3338"/>
-          </a:solidFill>
-          <a:ln>
-            <a:noFill/>
-          </a:ln>
-        </p:spPr>
-        <p:style>
-          <a:lnRef idx="2">
-            <a:schemeClr val="accent1">
-              <a:shade val="50000"/>
-            </a:schemeClr>
-          </a:lnRef>
-          <a:fillRef idx="1">
-            <a:schemeClr val="accent1"/>
-          </a:fillRef>
-          <a:effectRef idx="0">
-            <a:schemeClr val="accent1"/>
-          </a:effectRef>
-          <a:fontRef idx="minor">
-            <a:schemeClr val="lt1"/>
-          </a:fontRef>
-        </p:style>
-        <p:txBody>
-          <a:bodyPr rtlCol="0" anchor="ctr"/>
-          <a:lstStyle/>
-          <a:p>
-            <a:pPr algn="ctr"/>
-            <a:endParaRPr lang="en-US" sz="2700"/>
-          </a:p>
-        </p:txBody>
-      </p:sp>
-      <p:sp>
-        <p:nvSpPr>
-          <p:cNvPr id="5" name="TextBox 4"/>
-          <p:cNvSpPr txBox="1"/>
-          <p:nvPr/>
-        </p:nvSpPr>
-        <p:spPr>
-          <a:xfrm>
-            <a:off x="781292" y="590309"/>
-            <a:ext cx="15486926" cy="3139321"/>
-          </a:xfrm>
-          <a:prstGeom prst="rect">
-            <a:avLst/>
-          </a:prstGeom>
-          <a:noFill/>
-        </p:spPr>
-        <p:txBody>
-          <a:bodyPr wrap="square" rtlCol="0">
-            <a:spAutoFit/>
-          </a:bodyPr>
-          <a:lstStyle/>
-          <a:p>
-            <a:r>
-              <a:rPr lang="en-US" sz="9900" b="1" dirty="0">
-                <a:solidFill>
-                  <a:schemeClr val="bg1"/>
-                </a:solidFill>
-                <a:latin typeface="Normafixed Tryout" panose="00000409000000000000" pitchFamily="49" charset="0"/>
-              </a:rPr>
-              <a:t>1. Understanding the Python in Excel environment</a:t>
-            </a:r>
-          </a:p>
-        </p:txBody>
-      </p:sp>
-    </p:spTree>
-    <p:extLst>
-      <p:ext uri="{BB962C8B-B14F-4D97-AF65-F5344CB8AC3E}">
-        <p14:creationId xmlns:p14="http://schemas.microsoft.com/office/powerpoint/2010/main" val="3953945792"/>
-      </p:ext>
-    </p:extLst>
-  </p:cSld>
-  <p:clrMapOvr>
-    <a:masterClrMapping/>
-  </p:clrMapOvr>
-</p:sld>
-</file>
-
-<file path=ppt/slides/slide6.xml><?xml version="1.0" encoding="utf-8"?>
-<p:sld xmlns:a="http://schemas.openxmlformats.org/drawingml/2006/main" xmlns:r="http://schemas.openxmlformats.org/officeDocument/2006/relationships" xmlns:p="http://schemas.openxmlformats.org/presentationml/2006/main">
-  <p:cSld>
-    <p:spTree>
-      <p:nvGrpSpPr>
-        <p:cNvPr id="1" name=""/>
-        <p:cNvGrpSpPr/>
-        <p:nvPr/>
-      </p:nvGrpSpPr>
-      <p:grpSpPr>
-        <a:xfrm>
-          <a:off x="0" y="0"/>
-          <a:ext cx="0" cy="0"/>
-          <a:chOff x="0" y="0"/>
-          <a:chExt cx="0" cy="0"/>
-        </a:xfrm>
-      </p:grpSpPr>
-      <p:sp>
-        <p:nvSpPr>
-          <p:cNvPr id="4" name="Rectangle 3"/>
-          <p:cNvSpPr/>
-          <p:nvPr/>
-        </p:nvSpPr>
-        <p:spPr>
-          <a:xfrm>
             <a:off x="9861630" y="0"/>
             <a:ext cx="8426370" cy="10287000"/>
           </a:xfrm>
@@ -7074,7 +6616,7 @@
 </p:sld>
 </file>
 
-<file path=ppt/slides/slide7.xml><?xml version="1.0" encoding="utf-8"?>
+<file path=ppt/slides/slide6.xml><?xml version="1.0" encoding="utf-8"?>
 <p:sld xmlns:a="http://schemas.openxmlformats.org/drawingml/2006/main" xmlns:r="http://schemas.openxmlformats.org/officeDocument/2006/relationships" xmlns:p="http://schemas.openxmlformats.org/presentationml/2006/main">
   <p:cSld>
     <p:spTree>
@@ -7232,7 +6774,7 @@
 </p:sld>
 </file>
 
-<file path=ppt/slides/slide8.xml><?xml version="1.0" encoding="utf-8"?>
+<file path=ppt/slides/slide7.xml><?xml version="1.0" encoding="utf-8"?>
 <p:sld xmlns:a="http://schemas.openxmlformats.org/drawingml/2006/main" xmlns:r="http://schemas.openxmlformats.org/officeDocument/2006/relationships" xmlns:p="http://schemas.openxmlformats.org/presentationml/2006/main">
   <p:cSld>
     <p:spTree>
@@ -7342,7 +6884,7 @@
 </p:sld>
 </file>
 
-<file path=ppt/slides/slide9.xml><?xml version="1.0" encoding="utf-8"?>
+<file path=ppt/slides/slide8.xml><?xml version="1.0" encoding="utf-8"?>
 <p:sld xmlns:a="http://schemas.openxmlformats.org/drawingml/2006/main" xmlns:r="http://schemas.openxmlformats.org/officeDocument/2006/relationships" xmlns:p="http://schemas.openxmlformats.org/presentationml/2006/main">
   <p:cSld>
     <p:spTree>
@@ -7627,6 +7169,134 @@
     <p:extLst>
       <p:ext uri="{BB962C8B-B14F-4D97-AF65-F5344CB8AC3E}">
         <p14:creationId xmlns:p14="http://schemas.microsoft.com/office/powerpoint/2010/main" val="2505051360"/>
+      </p:ext>
+    </p:extLst>
+  </p:cSld>
+  <p:clrMapOvr>
+    <a:masterClrMapping/>
+  </p:clrMapOvr>
+</p:sld>
+</file>
+
+<file path=ppt/slides/slide9.xml><?xml version="1.0" encoding="utf-8"?>
+<p:sld xmlns:a="http://schemas.openxmlformats.org/drawingml/2006/main" xmlns:r="http://schemas.openxmlformats.org/officeDocument/2006/relationships" xmlns:p="http://schemas.openxmlformats.org/presentationml/2006/main">
+  <p:cSld>
+    <p:spTree>
+      <p:nvGrpSpPr>
+        <p:cNvPr id="1" name="">
+          <a:extLst>
+            <a:ext uri="{FF2B5EF4-FFF2-40B4-BE49-F238E27FC236}">
+              <a16:creationId xmlns:a16="http://schemas.microsoft.com/office/drawing/2014/main" id="{72D6DAA9-1F41-803D-0FDA-993F7F989943}"/>
+            </a:ext>
+          </a:extLst>
+        </p:cNvPr>
+        <p:cNvGrpSpPr/>
+        <p:nvPr/>
+      </p:nvGrpSpPr>
+      <p:grpSpPr>
+        <a:xfrm>
+          <a:off x="0" y="0"/>
+          <a:ext cx="0" cy="0"/>
+          <a:chOff x="0" y="0"/>
+          <a:chExt cx="0" cy="0"/>
+        </a:xfrm>
+      </p:grpSpPr>
+      <p:sp>
+        <p:nvSpPr>
+          <p:cNvPr id="4" name="Rectangle 3">
+            <a:extLst>
+              <a:ext uri="{FF2B5EF4-FFF2-40B4-BE49-F238E27FC236}">
+                <a16:creationId xmlns:a16="http://schemas.microsoft.com/office/drawing/2014/main" id="{117937E4-8DBD-7D48-AAF3-E0757557D039}"/>
+              </a:ext>
+            </a:extLst>
+          </p:cNvPr>
+          <p:cNvSpPr/>
+          <p:nvPr/>
+        </p:nvSpPr>
+        <p:spPr>
+          <a:xfrm>
+            <a:off x="0" y="0"/>
+            <a:ext cx="18288000" cy="10287000"/>
+          </a:xfrm>
+          <a:prstGeom prst="rect">
+            <a:avLst/>
+          </a:prstGeom>
+          <a:solidFill>
+            <a:srgbClr val="CF3338"/>
+          </a:solidFill>
+          <a:ln>
+            <a:noFill/>
+          </a:ln>
+        </p:spPr>
+        <p:style>
+          <a:lnRef idx="2">
+            <a:schemeClr val="accent1">
+              <a:shade val="50000"/>
+            </a:schemeClr>
+          </a:lnRef>
+          <a:fillRef idx="1">
+            <a:schemeClr val="accent1"/>
+          </a:fillRef>
+          <a:effectRef idx="0">
+            <a:schemeClr val="accent1"/>
+          </a:effectRef>
+          <a:fontRef idx="minor">
+            <a:schemeClr val="lt1"/>
+          </a:fontRef>
+        </p:style>
+        <p:txBody>
+          <a:bodyPr rtlCol="0" anchor="ctr"/>
+          <a:lstStyle/>
+          <a:p>
+            <a:pPr algn="ctr"/>
+            <a:endParaRPr lang="en-US" sz="2700"/>
+          </a:p>
+        </p:txBody>
+      </p:sp>
+      <p:sp>
+        <p:nvSpPr>
+          <p:cNvPr id="5" name="TextBox 4">
+            <a:extLst>
+              <a:ext uri="{FF2B5EF4-FFF2-40B4-BE49-F238E27FC236}">
+                <a16:creationId xmlns:a16="http://schemas.microsoft.com/office/drawing/2014/main" id="{92DB8310-62F4-23E5-FA98-18370B78F44F}"/>
+              </a:ext>
+            </a:extLst>
+          </p:cNvPr>
+          <p:cNvSpPr txBox="1"/>
+          <p:nvPr/>
+        </p:nvSpPr>
+        <p:spPr>
+          <a:xfrm>
+            <a:off x="781292" y="590309"/>
+            <a:ext cx="15486926" cy="3139321"/>
+          </a:xfrm>
+          <a:prstGeom prst="rect">
+            <a:avLst/>
+          </a:prstGeom>
+          <a:noFill/>
+        </p:spPr>
+        <p:txBody>
+          <a:bodyPr wrap="square" rtlCol="0">
+            <a:spAutoFit/>
+          </a:bodyPr>
+          <a:lstStyle/>
+          <a:p>
+            <a:r>
+              <a:rPr lang="en-US" sz="9900" b="1" dirty="0">
+                <a:solidFill>
+                  <a:schemeClr val="bg1"/>
+                </a:solidFill>
+                <a:latin typeface="Normafixed Tryout" panose="00000409000000000000" pitchFamily="49" charset="0"/>
+              </a:rPr>
+              <a:t>3. Interactive visualizations with Python in Excel</a:t>
+            </a:r>
+          </a:p>
+        </p:txBody>
+      </p:sp>
+    </p:spTree>
+    <p:extLst>
+      <p:ext uri="{BB962C8B-B14F-4D97-AF65-F5344CB8AC3E}">
+        <p14:creationId xmlns:p14="http://schemas.microsoft.com/office/powerpoint/2010/main" val="2423357774"/>
       </p:ext>
     </p:extLst>
   </p:cSld>
